--- a/presentación de los resultados.pptx
+++ b/presentación de los resultados.pptx
@@ -8,8 +8,8 @@
     <p:sldId id="256" r:id="rId2"/>
     <p:sldId id="257" r:id="rId3"/>
     <p:sldId id="258" r:id="rId4"/>
-    <p:sldId id="259" r:id="rId5"/>
-    <p:sldId id="260" r:id="rId6"/>
+    <p:sldId id="260" r:id="rId5"/>
+    <p:sldId id="259" r:id="rId6"/>
     <p:sldId id="261" r:id="rId7"/>
     <p:sldId id="262" r:id="rId8"/>
     <p:sldId id="263" r:id="rId9"/>
@@ -4802,8 +4802,8 @@
         </p:nvSpPr>
         <p:spPr>
           <a:xfrm>
-            <a:off x="3629912" y="0"/>
-            <a:ext cx="11171757" cy="10420932"/>
+            <a:off x="807357" y="0"/>
+            <a:ext cx="16673286" cy="10287000"/>
           </a:xfrm>
           <a:custGeom>
             <a:avLst/>
@@ -4812,18 +4812,18 @@
             <a:cxnLst/>
             <a:rect l="l" t="t" r="r" b="b"/>
             <a:pathLst>
-              <a:path w="11171757" h="10420932">
+              <a:path w="16673286" h="10287000">
                 <a:moveTo>
                   <a:pt x="0" y="0"/>
                 </a:moveTo>
                 <a:lnTo>
-                  <a:pt x="11171757" y="0"/>
-                </a:lnTo>
-                <a:lnTo>
-                  <a:pt x="11171757" y="10420932"/>
-                </a:lnTo>
-                <a:lnTo>
-                  <a:pt x="0" y="10420932"/>
+                  <a:pt x="16673286" y="0"/>
+                </a:lnTo>
+                <a:lnTo>
+                  <a:pt x="16673286" y="10287000"/>
+                </a:lnTo>
+                <a:lnTo>
+                  <a:pt x="0" y="10287000"/>
                 </a:lnTo>
                 <a:lnTo>
                   <a:pt x="0" y="0"/>
@@ -4881,8 +4881,8 @@
         </p:nvSpPr>
         <p:spPr>
           <a:xfrm>
-            <a:off x="807357" y="0"/>
-            <a:ext cx="16673286" cy="10287000"/>
+            <a:off x="3629912" y="0"/>
+            <a:ext cx="11171757" cy="10420932"/>
           </a:xfrm>
           <a:custGeom>
             <a:avLst/>
@@ -4891,18 +4891,18 @@
             <a:cxnLst/>
             <a:rect l="l" t="t" r="r" b="b"/>
             <a:pathLst>
-              <a:path w="16673286" h="10287000">
+              <a:path w="11171757" h="10420932">
                 <a:moveTo>
                   <a:pt x="0" y="0"/>
                 </a:moveTo>
                 <a:lnTo>
-                  <a:pt x="16673286" y="0"/>
-                </a:lnTo>
-                <a:lnTo>
-                  <a:pt x="16673286" y="10287000"/>
-                </a:lnTo>
-                <a:lnTo>
-                  <a:pt x="0" y="10287000"/>
+                  <a:pt x="11171757" y="0"/>
+                </a:lnTo>
+                <a:lnTo>
+                  <a:pt x="11171757" y="10420932"/>
+                </a:lnTo>
+                <a:lnTo>
+                  <a:pt x="0" y="10420932"/>
                 </a:lnTo>
                 <a:lnTo>
                   <a:pt x="0" y="0"/>
